--- a/Retail Demand Forecasting.pptx
+++ b/Retail Demand Forecasting.pptx
@@ -113,6 +113,11 @@
       </a:defRPr>
     </a:lvl9pPr>
   </p:defaultTextStyle>
+  <p:extLst>
+    <p:ext uri="{EFAFB233-063F-42B5-8137-9DF3F51BA10A}">
+      <p15:sldGuideLst xmlns:p15="http://schemas.microsoft.com/office/powerpoint/2012/main"/>
+    </p:ext>
+  </p:extLst>
 </p:presentation>
 </file>
 
@@ -265,7 +270,7 @@
           <a:p>
             <a:fld id="{01FEF636-7EF7-46A0-8C6B-5D9BD7433AED}" type="datetimeFigureOut">
               <a:rPr lang="en-IN" smtClean="0"/>
-              <a:t>08-06-2024</a:t>
+              <a:t>09-06-2024</a:t>
             </a:fld>
             <a:endParaRPr lang="en-IN"/>
           </a:p>
@@ -465,7 +470,7 @@
           <a:p>
             <a:fld id="{01FEF636-7EF7-46A0-8C6B-5D9BD7433AED}" type="datetimeFigureOut">
               <a:rPr lang="en-IN" smtClean="0"/>
-              <a:t>08-06-2024</a:t>
+              <a:t>09-06-2024</a:t>
             </a:fld>
             <a:endParaRPr lang="en-IN"/>
           </a:p>
@@ -675,7 +680,7 @@
           <a:p>
             <a:fld id="{01FEF636-7EF7-46A0-8C6B-5D9BD7433AED}" type="datetimeFigureOut">
               <a:rPr lang="en-IN" smtClean="0"/>
-              <a:t>08-06-2024</a:t>
+              <a:t>09-06-2024</a:t>
             </a:fld>
             <a:endParaRPr lang="en-IN"/>
           </a:p>
@@ -875,7 +880,7 @@
           <a:p>
             <a:fld id="{01FEF636-7EF7-46A0-8C6B-5D9BD7433AED}" type="datetimeFigureOut">
               <a:rPr lang="en-IN" smtClean="0"/>
-              <a:t>08-06-2024</a:t>
+              <a:t>09-06-2024</a:t>
             </a:fld>
             <a:endParaRPr lang="en-IN"/>
           </a:p>
@@ -1151,7 +1156,7 @@
           <a:p>
             <a:fld id="{01FEF636-7EF7-46A0-8C6B-5D9BD7433AED}" type="datetimeFigureOut">
               <a:rPr lang="en-IN" smtClean="0"/>
-              <a:t>08-06-2024</a:t>
+              <a:t>09-06-2024</a:t>
             </a:fld>
             <a:endParaRPr lang="en-IN"/>
           </a:p>
@@ -1419,7 +1424,7 @@
           <a:p>
             <a:fld id="{01FEF636-7EF7-46A0-8C6B-5D9BD7433AED}" type="datetimeFigureOut">
               <a:rPr lang="en-IN" smtClean="0"/>
-              <a:t>08-06-2024</a:t>
+              <a:t>09-06-2024</a:t>
             </a:fld>
             <a:endParaRPr lang="en-IN"/>
           </a:p>
@@ -1834,7 +1839,7 @@
           <a:p>
             <a:fld id="{01FEF636-7EF7-46A0-8C6B-5D9BD7433AED}" type="datetimeFigureOut">
               <a:rPr lang="en-IN" smtClean="0"/>
-              <a:t>08-06-2024</a:t>
+              <a:t>09-06-2024</a:t>
             </a:fld>
             <a:endParaRPr lang="en-IN"/>
           </a:p>
@@ -1976,7 +1981,7 @@
           <a:p>
             <a:fld id="{01FEF636-7EF7-46A0-8C6B-5D9BD7433AED}" type="datetimeFigureOut">
               <a:rPr lang="en-IN" smtClean="0"/>
-              <a:t>08-06-2024</a:t>
+              <a:t>09-06-2024</a:t>
             </a:fld>
             <a:endParaRPr lang="en-IN"/>
           </a:p>
@@ -2089,7 +2094,7 @@
           <a:p>
             <a:fld id="{01FEF636-7EF7-46A0-8C6B-5D9BD7433AED}" type="datetimeFigureOut">
               <a:rPr lang="en-IN" smtClean="0"/>
-              <a:t>08-06-2024</a:t>
+              <a:t>09-06-2024</a:t>
             </a:fld>
             <a:endParaRPr lang="en-IN"/>
           </a:p>
@@ -2402,7 +2407,7 @@
           <a:p>
             <a:fld id="{01FEF636-7EF7-46A0-8C6B-5D9BD7433AED}" type="datetimeFigureOut">
               <a:rPr lang="en-IN" smtClean="0"/>
-              <a:t>08-06-2024</a:t>
+              <a:t>09-06-2024</a:t>
             </a:fld>
             <a:endParaRPr lang="en-IN"/>
           </a:p>
@@ -2691,7 +2696,7 @@
           <a:p>
             <a:fld id="{01FEF636-7EF7-46A0-8C6B-5D9BD7433AED}" type="datetimeFigureOut">
               <a:rPr lang="en-IN" smtClean="0"/>
-              <a:t>08-06-2024</a:t>
+              <a:t>09-06-2024</a:t>
             </a:fld>
             <a:endParaRPr lang="en-IN"/>
           </a:p>
@@ -2934,7 +2939,7 @@
           <a:p>
             <a:fld id="{01FEF636-7EF7-46A0-8C6B-5D9BD7433AED}" type="datetimeFigureOut">
               <a:rPr lang="en-IN" smtClean="0"/>
-              <a:t>08-06-2024</a:t>
+              <a:t>09-06-2024</a:t>
             </a:fld>
             <a:endParaRPr lang="en-IN"/>
           </a:p>
@@ -4194,19 +4199,17 @@
       </p:grpSpPr>
       <p:pic>
         <p:nvPicPr>
-          <p:cNvPr id="5" name="Content Placeholder 4">
-            <a:extLst>
-              <a:ext uri="{FF2B5EF4-FFF2-40B4-BE49-F238E27FC236}">
-                <a16:creationId xmlns:a16="http://schemas.microsoft.com/office/drawing/2014/main" id="{E4448967-F865-DDDB-ECB0-E410D2E9077C}"/>
+          <p:cNvPr id="3" name="Picture 2">
+            <a:extLst>
+              <a:ext uri="{FF2B5EF4-FFF2-40B4-BE49-F238E27FC236}">
+                <a16:creationId xmlns:a16="http://schemas.microsoft.com/office/drawing/2014/main" id="{DE1228AA-FAFD-A635-E973-A0FB19F11E75}"/>
               </a:ext>
             </a:extLst>
           </p:cNvPr>
           <p:cNvPicPr>
-            <a:picLocks noGrp="1" noChangeAspect="1"/>
+            <a:picLocks noChangeAspect="1"/>
           </p:cNvPicPr>
-          <p:nvPr>
-            <p:ph idx="1"/>
-          </p:nvPr>
+          <p:nvPr/>
         </p:nvPicPr>
         <p:blipFill>
           <a:blip r:embed="rId2"/>
@@ -4216,9 +4219,42 @@
         </p:blipFill>
         <p:spPr>
           <a:xfrm>
-            <a:off x="737419" y="424220"/>
-            <a:ext cx="6540900" cy="4248275"/>
+            <a:off x="6096001" y="689819"/>
+            <a:ext cx="5909188" cy="4366811"/>
           </a:xfrm>
+          <a:prstGeom prst="rect">
+            <a:avLst/>
+          </a:prstGeom>
+        </p:spPr>
+      </p:pic>
+      <p:pic>
+        <p:nvPicPr>
+          <p:cNvPr id="8" name="Picture 7">
+            <a:extLst>
+              <a:ext uri="{FF2B5EF4-FFF2-40B4-BE49-F238E27FC236}">
+                <a16:creationId xmlns:a16="http://schemas.microsoft.com/office/drawing/2014/main" id="{BFD0DED5-790F-50DA-83E2-F4C72B1D6EAD}"/>
+              </a:ext>
+            </a:extLst>
+          </p:cNvPr>
+          <p:cNvPicPr>
+            <a:picLocks noChangeAspect="1"/>
+          </p:cNvPicPr>
+          <p:nvPr/>
+        </p:nvPicPr>
+        <p:blipFill>
+          <a:blip r:embed="rId3"/>
+          <a:stretch>
+            <a:fillRect/>
+          </a:stretch>
+        </p:blipFill>
+        <p:spPr>
+          <a:xfrm>
+            <a:off x="0" y="294968"/>
+            <a:ext cx="6004404" cy="4995998"/>
+          </a:xfrm>
+          <a:prstGeom prst="rect">
+            <a:avLst/>
+          </a:prstGeom>
         </p:spPr>
       </p:pic>
     </p:spTree>
